--- a/Data Structures/slides/COM2067_Chapter3.pptx
+++ b/Data Structures/slides/COM2067_Chapter3.pptx
@@ -276,7 +276,7 @@
             <a:fld id="{3523C565-F6BB-4F42-8E95-4790F5B9E375}" type="datetimeFigureOut">
               <a:rPr lang="tr-TR" smtClean="0"/>
               <a:pPr/>
-              <a:t>5.10.2022</a:t>
+              <a:t>13.10.2020</a:t>
             </a:fld>
             <a:endParaRPr lang="tr-TR"/>
           </a:p>
@@ -8830,7 +8830,7 @@
             <a:fld id="{03CE3403-E2B5-4E8A-89D8-A2C3643C3380}" type="datetime1">
               <a:rPr lang="en-US" smtClean="0"/>
               <a:pPr/>
-              <a:t>10/5/2022</a:t>
+              <a:t>10/13/2020</a:t>
             </a:fld>
             <a:endParaRPr lang="en-US" dirty="0"/>
           </a:p>
@@ -9117,7 +9117,7 @@
             <a:fld id="{636FD9AE-622D-4D6E-B1FA-FF86DCF8EC81}" type="datetime1">
               <a:rPr lang="en-US" smtClean="0"/>
               <a:pPr/>
-              <a:t>10/5/2022</a:t>
+              <a:t>10/13/2020</a:t>
             </a:fld>
             <a:endParaRPr lang="en-US" dirty="0"/>
           </a:p>
@@ -9294,7 +9294,7 @@
             <a:fld id="{A91E7825-6EB5-4069-AE4D-CD6FFECBD5A8}" type="datetime1">
               <a:rPr lang="en-US" smtClean="0"/>
               <a:pPr/>
-              <a:t>10/5/2022</a:t>
+              <a:t>10/13/2020</a:t>
             </a:fld>
             <a:endParaRPr lang="en-US" dirty="0"/>
           </a:p>
@@ -9461,7 +9461,7 @@
             <a:fld id="{04359553-24D1-43E6-A105-C5B7D4915F5D}" type="datetime1">
               <a:rPr lang="en-US" smtClean="0"/>
               <a:pPr/>
-              <a:t>10/5/2022</a:t>
+              <a:t>10/13/2020</a:t>
             </a:fld>
             <a:endParaRPr lang="en-US" dirty="0"/>
           </a:p>
@@ -9704,7 +9704,7 @@
             <a:fld id="{6EDEF120-8076-4A7A-B793-2274FBA28191}" type="datetime1">
               <a:rPr lang="en-US" smtClean="0"/>
               <a:pPr/>
-              <a:t>10/5/2022</a:t>
+              <a:t>10/13/2020</a:t>
             </a:fld>
             <a:endParaRPr lang="en-US" dirty="0"/>
           </a:p>
@@ -9819,7 +9819,7 @@
             <a:fld id="{7894B68B-BF11-44FC-994F-5C1FD159CE2B}" type="datetime1">
               <a:rPr lang="en-US" smtClean="0"/>
               <a:pPr/>
-              <a:t>10/5/2022</a:t>
+              <a:t>10/13/2020</a:t>
             </a:fld>
             <a:endParaRPr lang="en-US" dirty="0"/>
           </a:p>
@@ -10360,7 +10360,7 @@
             <a:fld id="{4D3CC4FA-4925-4400-B613-A21B29FA01B5}" type="datetime1">
               <a:rPr lang="en-US" smtClean="0"/>
               <a:pPr/>
-              <a:t>10/5/2022</a:t>
+              <a:t>10/13/2020</a:t>
             </a:fld>
             <a:endParaRPr lang="en-US" dirty="0"/>
           </a:p>
@@ -10475,7 +10475,7 @@
             <a:fld id="{3561596D-A42C-4123-A2C9-1AA75A8A164E}" type="datetime1">
               <a:rPr lang="en-US" smtClean="0"/>
               <a:pPr/>
-              <a:t>10/5/2022</a:t>
+              <a:t>10/13/2020</a:t>
             </a:fld>
             <a:endParaRPr lang="en-US" dirty="0"/>
           </a:p>
@@ -10567,7 +10567,7 @@
             <a:fld id="{4FFB0925-351C-415F-AE54-F89DB471B483}" type="datetime1">
               <a:rPr lang="en-US" smtClean="0"/>
               <a:pPr/>
-              <a:t>10/5/2022</a:t>
+              <a:t>10/13/2020</a:t>
             </a:fld>
             <a:endParaRPr lang="en-US" dirty="0"/>
           </a:p>
@@ -13220,7 +13220,7 @@
             <a:fld id="{DE271209-091D-4FEB-A8CD-380AAC3CD9EC}" type="datetime1">
               <a:rPr lang="en-US" smtClean="0"/>
               <a:pPr/>
-              <a:t>10/5/2022</a:t>
+              <a:t>10/13/2020</a:t>
             </a:fld>
             <a:endParaRPr lang="en-US" dirty="0"/>
           </a:p>
@@ -16434,7 +16434,7 @@
             <a:fld id="{627B83C6-5B46-4D44-83C2-F3FA9C4C41C5}" type="datetime1">
               <a:rPr lang="en-US" smtClean="0"/>
               <a:pPr/>
-              <a:t>10/5/2022</a:t>
+              <a:t>10/13/2020</a:t>
             </a:fld>
             <a:endParaRPr lang="en-US" dirty="0"/>
           </a:p>
@@ -19258,7 +19258,7 @@
             <a:fld id="{A77C9E0A-1FB2-4327-A4E0-FE2C9CA9BF1A}" type="datetime1">
               <a:rPr lang="en-US" smtClean="0"/>
               <a:pPr/>
-              <a:t>10/5/2022</a:t>
+              <a:t>10/13/2020</a:t>
             </a:fld>
             <a:endParaRPr lang="en-US" dirty="0"/>
           </a:p>
@@ -19735,7 +19735,11 @@
           <a:p>
             <a:r>
               <a:rPr lang="tr-TR" smtClean="0"/>
-              <a:t>COM2067/</a:t>
+              <a:t>CO</a:t>
+            </a:r>
+            <a:r>
+              <a:rPr lang="tr-TR" smtClean="0"/>
+              <a:t>M2067/</a:t>
             </a:r>
             <a:br>
               <a:rPr lang="tr-TR" smtClean="0"/>
@@ -19783,6 +19787,30 @@
               <a:t>: Arrays</a:t>
             </a:r>
             <a:endParaRPr lang="en-US" b="1" dirty="0"/>
+          </a:p>
+        </p:txBody>
+      </p:sp>
+      <p:sp>
+        <p:nvSpPr>
+          <p:cNvPr id="4" name="3 Slayt Numarası Yer Tutucusu"/>
+          <p:cNvSpPr>
+            <a:spLocks noGrp="1"/>
+          </p:cNvSpPr>
+          <p:nvPr>
+            <p:ph type="sldNum" sz="quarter" idx="12"/>
+          </p:nvPr>
+        </p:nvSpPr>
+        <p:spPr/>
+        <p:txBody>
+          <a:bodyPr/>
+          <a:lstStyle/>
+          <a:p>
+            <a:fld id="{B6F15528-21DE-4FAA-801E-634DDDAF4B2B}" type="slidenum">
+              <a:rPr lang="en-US" smtClean="0"/>
+              <a:pPr/>
+              <a:t>1</a:t>
+            </a:fld>
+            <a:endParaRPr lang="en-US" dirty="0"/>
           </a:p>
         </p:txBody>
       </p:sp>
@@ -23727,39 +23755,7 @@
             </a:r>
             <a:r>
               <a:rPr lang="en-US" b="1" dirty="0"/>
-              <a:t>marks of this new student would be stored in </a:t>
-            </a:r>
-            <a:r>
-              <a:rPr lang="en-US" b="1" dirty="0" smtClean="0"/>
-              <a:t>marks[</a:t>
-            </a:r>
-            <a:r>
-              <a:rPr lang="tr-TR" b="1" dirty="0" smtClean="0"/>
-              <a:t>54</a:t>
-            </a:r>
-            <a:r>
-              <a:rPr lang="en-US" b="1" dirty="0" smtClean="0"/>
-              <a:t>]. </a:t>
-            </a:r>
-            <a:r>
-              <a:rPr lang="en-US" b="1" dirty="0"/>
-              <a:t>Assuming that the student secured 68 marks, we will assign the value as </a:t>
-            </a:r>
-            <a:r>
-              <a:rPr lang="en-US" b="1" dirty="0" smtClean="0"/>
-              <a:t>marks[5</a:t>
-            </a:r>
-            <a:r>
-              <a:rPr lang="tr-TR" b="1" dirty="0" smtClean="0"/>
-              <a:t>4</a:t>
-            </a:r>
-            <a:r>
-              <a:rPr lang="en-US" b="1" dirty="0" smtClean="0"/>
-              <a:t>] </a:t>
-            </a:r>
-            <a:r>
-              <a:rPr lang="en-US" b="1" dirty="0"/>
-              <a:t>= 68; </a:t>
+              <a:t>marks of this new student would be stored in marks[55]. Assuming that the student secured 68 marks, we will assign the value as marks[55] = 68; </a:t>
             </a:r>
             <a:endParaRPr lang="tr-TR" b="1" dirty="0" smtClean="0"/>
           </a:p>
